--- a/Data_Management_Presentation.pptx
+++ b/Data_Management_Presentation.pptx
@@ -256,7 +256,7 @@
           <a:p>
             <a:fld id="{A828F956-FBCF-4596-8579-03C3E4B1F367}" type="datetimeFigureOut">
               <a:rPr lang="en-US" smtClean="0"/>
-              <a:t>5/17/2025</a:t>
+              <a:t>5/23/2025</a:t>
             </a:fld>
             <a:endParaRPr lang="en-US"/>
           </a:p>
@@ -1984,7 +1984,7 @@
           <a:p>
             <a:fld id="{20025BB7-8A73-4C3C-888D-EB661FB644F1}" type="datetime1">
               <a:rPr lang="en-US" smtClean="0"/>
-              <a:t>5/17/2025</a:t>
+              <a:t>5/23/2025</a:t>
             </a:fld>
             <a:endParaRPr lang="en-US"/>
           </a:p>
@@ -2193,7 +2193,7 @@
           <a:p>
             <a:fld id="{20025BB7-8A73-4C3C-888D-EB661FB644F1}" type="datetime1">
               <a:rPr lang="en-US" smtClean="0"/>
-              <a:t>5/17/2025</a:t>
+              <a:t>5/23/2025</a:t>
             </a:fld>
             <a:endParaRPr lang="en-US"/>
           </a:p>
@@ -2450,7 +2450,7 @@
           <a:p>
             <a:fld id="{20025BB7-8A73-4C3C-888D-EB661FB644F1}" type="datetime1">
               <a:rPr lang="en-US" smtClean="0"/>
-              <a:t>5/17/2025</a:t>
+              <a:t>5/23/2025</a:t>
             </a:fld>
             <a:endParaRPr lang="en-US"/>
           </a:p>
@@ -2679,7 +2679,7 @@
           <a:p>
             <a:fld id="{20025BB7-8A73-4C3C-888D-EB661FB644F1}" type="datetime1">
               <a:rPr lang="en-US" smtClean="0"/>
-              <a:t>5/17/2025</a:t>
+              <a:t>5/23/2025</a:t>
             </a:fld>
             <a:endParaRPr lang="en-US"/>
           </a:p>
@@ -3028,7 +3028,7 @@
           <a:p>
             <a:fld id="{20025BB7-8A73-4C3C-888D-EB661FB644F1}" type="datetime1">
               <a:rPr lang="en-US" smtClean="0"/>
-              <a:t>5/17/2025</a:t>
+              <a:t>5/23/2025</a:t>
             </a:fld>
             <a:endParaRPr lang="en-US"/>
           </a:p>
@@ -3304,7 +3304,7 @@
           <a:p>
             <a:fld id="{20025BB7-8A73-4C3C-888D-EB661FB644F1}" type="datetime1">
               <a:rPr lang="en-US" smtClean="0"/>
-              <a:t>5/17/2025</a:t>
+              <a:t>5/23/2025</a:t>
             </a:fld>
             <a:endParaRPr lang="en-US"/>
           </a:p>
@@ -3684,7 +3684,7 @@
           <a:p>
             <a:fld id="{20025BB7-8A73-4C3C-888D-EB661FB644F1}" type="datetime1">
               <a:rPr lang="en-US" smtClean="0"/>
-              <a:t>5/17/2025</a:t>
+              <a:t>5/23/2025</a:t>
             </a:fld>
             <a:endParaRPr lang="en-US"/>
           </a:p>
@@ -3803,7 +3803,7 @@
           <a:p>
             <a:fld id="{20025BB7-8A73-4C3C-888D-EB661FB644F1}" type="datetime1">
               <a:rPr lang="en-US" smtClean="0"/>
-              <a:t>5/17/2025</a:t>
+              <a:t>5/23/2025</a:t>
             </a:fld>
             <a:endParaRPr lang="en-US"/>
           </a:p>
@@ -3975,7 +3975,7 @@
           <a:p>
             <a:fld id="{20025BB7-8A73-4C3C-888D-EB661FB644F1}" type="datetime1">
               <a:rPr lang="en-US" smtClean="0"/>
-              <a:t>5/17/2025</a:t>
+              <a:t>5/23/2025</a:t>
             </a:fld>
             <a:endParaRPr lang="en-US"/>
           </a:p>
@@ -4330,7 +4330,7 @@
           <a:p>
             <a:fld id="{20025BB7-8A73-4C3C-888D-EB661FB644F1}" type="datetime1">
               <a:rPr lang="en-US" smtClean="0"/>
-              <a:t>5/17/2025</a:t>
+              <a:t>5/23/2025</a:t>
             </a:fld>
             <a:endParaRPr lang="en-US"/>
           </a:p>
@@ -4713,7 +4713,7 @@
           <a:p>
             <a:fld id="{20025BB7-8A73-4C3C-888D-EB661FB644F1}" type="datetime1">
               <a:rPr lang="en-US" smtClean="0"/>
-              <a:t>5/17/2025</a:t>
+              <a:t>5/23/2025</a:t>
             </a:fld>
             <a:endParaRPr lang="en-US"/>
           </a:p>
@@ -5001,7 +5001,7 @@
           <a:p>
             <a:fld id="{20025BB7-8A73-4C3C-888D-EB661FB644F1}" type="datetime1">
               <a:rPr lang="en-US" smtClean="0"/>
-              <a:t>5/17/2025</a:t>
+              <a:t>5/23/2025</a:t>
             </a:fld>
             <a:endParaRPr lang="en-US"/>
           </a:p>
@@ -8508,9 +8508,10 @@
           </a:p>
           <a:p>
             <a:r>
-              <a:rPr lang="en-US" dirty="0"/>
-              <a:t>DFM Schema</a:t>
-            </a:r>
+              <a:rPr lang="en-US"/>
+              <a:t>DFM SQL Schema</a:t>
+            </a:r>
+            <a:endParaRPr lang="en-US" dirty="0"/>
           </a:p>
           <a:p>
             <a:r>

--- a/Data_Management_Presentation.pptx
+++ b/Data_Management_Presentation.pptx
@@ -256,7 +256,7 @@
           <a:p>
             <a:fld id="{A828F956-FBCF-4596-8579-03C3E4B1F367}" type="datetimeFigureOut">
               <a:rPr lang="en-US" smtClean="0"/>
-              <a:t>5/23/2025</a:t>
+              <a:t>5/26/2025</a:t>
             </a:fld>
             <a:endParaRPr lang="en-US"/>
           </a:p>
@@ -1984,7 +1984,7 @@
           <a:p>
             <a:fld id="{20025BB7-8A73-4C3C-888D-EB661FB644F1}" type="datetime1">
               <a:rPr lang="en-US" smtClean="0"/>
-              <a:t>5/23/2025</a:t>
+              <a:t>5/26/2025</a:t>
             </a:fld>
             <a:endParaRPr lang="en-US"/>
           </a:p>
@@ -2193,7 +2193,7 @@
           <a:p>
             <a:fld id="{20025BB7-8A73-4C3C-888D-EB661FB644F1}" type="datetime1">
               <a:rPr lang="en-US" smtClean="0"/>
-              <a:t>5/23/2025</a:t>
+              <a:t>5/26/2025</a:t>
             </a:fld>
             <a:endParaRPr lang="en-US"/>
           </a:p>
@@ -2450,7 +2450,7 @@
           <a:p>
             <a:fld id="{20025BB7-8A73-4C3C-888D-EB661FB644F1}" type="datetime1">
               <a:rPr lang="en-US" smtClean="0"/>
-              <a:t>5/23/2025</a:t>
+              <a:t>5/26/2025</a:t>
             </a:fld>
             <a:endParaRPr lang="en-US"/>
           </a:p>
@@ -2679,7 +2679,7 @@
           <a:p>
             <a:fld id="{20025BB7-8A73-4C3C-888D-EB661FB644F1}" type="datetime1">
               <a:rPr lang="en-US" smtClean="0"/>
-              <a:t>5/23/2025</a:t>
+              <a:t>5/26/2025</a:t>
             </a:fld>
             <a:endParaRPr lang="en-US"/>
           </a:p>
@@ -3028,7 +3028,7 @@
           <a:p>
             <a:fld id="{20025BB7-8A73-4C3C-888D-EB661FB644F1}" type="datetime1">
               <a:rPr lang="en-US" smtClean="0"/>
-              <a:t>5/23/2025</a:t>
+              <a:t>5/26/2025</a:t>
             </a:fld>
             <a:endParaRPr lang="en-US"/>
           </a:p>
@@ -3304,7 +3304,7 @@
           <a:p>
             <a:fld id="{20025BB7-8A73-4C3C-888D-EB661FB644F1}" type="datetime1">
               <a:rPr lang="en-US" smtClean="0"/>
-              <a:t>5/23/2025</a:t>
+              <a:t>5/26/2025</a:t>
             </a:fld>
             <a:endParaRPr lang="en-US"/>
           </a:p>
@@ -3684,7 +3684,7 @@
           <a:p>
             <a:fld id="{20025BB7-8A73-4C3C-888D-EB661FB644F1}" type="datetime1">
               <a:rPr lang="en-US" smtClean="0"/>
-              <a:t>5/23/2025</a:t>
+              <a:t>5/26/2025</a:t>
             </a:fld>
             <a:endParaRPr lang="en-US"/>
           </a:p>
@@ -3803,7 +3803,7 @@
           <a:p>
             <a:fld id="{20025BB7-8A73-4C3C-888D-EB661FB644F1}" type="datetime1">
               <a:rPr lang="en-US" smtClean="0"/>
-              <a:t>5/23/2025</a:t>
+              <a:t>5/26/2025</a:t>
             </a:fld>
             <a:endParaRPr lang="en-US"/>
           </a:p>
@@ -3975,7 +3975,7 @@
           <a:p>
             <a:fld id="{20025BB7-8A73-4C3C-888D-EB661FB644F1}" type="datetime1">
               <a:rPr lang="en-US" smtClean="0"/>
-              <a:t>5/23/2025</a:t>
+              <a:t>5/26/2025</a:t>
             </a:fld>
             <a:endParaRPr lang="en-US"/>
           </a:p>
@@ -4330,7 +4330,7 @@
           <a:p>
             <a:fld id="{20025BB7-8A73-4C3C-888D-EB661FB644F1}" type="datetime1">
               <a:rPr lang="en-US" smtClean="0"/>
-              <a:t>5/23/2025</a:t>
+              <a:t>5/26/2025</a:t>
             </a:fld>
             <a:endParaRPr lang="en-US"/>
           </a:p>
@@ -4713,7 +4713,7 @@
           <a:p>
             <a:fld id="{20025BB7-8A73-4C3C-888D-EB661FB644F1}" type="datetime1">
               <a:rPr lang="en-US" smtClean="0"/>
-              <a:t>5/23/2025</a:t>
+              <a:t>5/26/2025</a:t>
             </a:fld>
             <a:endParaRPr lang="en-US"/>
           </a:p>
@@ -5001,7 +5001,7 @@
           <a:p>
             <a:fld id="{20025BB7-8A73-4C3C-888D-EB661FB644F1}" type="datetime1">
               <a:rPr lang="en-US" smtClean="0"/>
-              <a:t>5/23/2025</a:t>
+              <a:t>5/26/2025</a:t>
             </a:fld>
             <a:endParaRPr lang="en-US"/>
           </a:p>
@@ -7750,44 +7750,149 @@
           <a:lstStyle/>
           <a:p>
             <a:r>
+              <a:rPr lang="en-US" sz="2800" dirty="0"/>
+              <a:t> Use of Snowflakes:</a:t>
+            </a:r>
+          </a:p>
+          <a:p>
+            <a:pPr lvl="1"/>
+            <a:r>
               <a:rPr lang="en-US" dirty="0"/>
-              <a:t> Galaxy Schema: </a:t>
-            </a:r>
-            <a:r>
-              <a:rPr lang="en-US" sz="2000" dirty="0"/>
-              <a:t>A hybrid schema combining elements of both star schema and snowflake schema.</a:t>
-            </a:r>
-          </a:p>
-          <a:p>
+              <a:t> Normalized lookups</a:t>
+            </a:r>
+          </a:p>
+          <a:p>
+            <a:pPr lvl="1"/>
             <a:r>
               <a:rPr lang="en-US" dirty="0"/>
-              <a:t> Use of Star Schema</a:t>
+              <a:t> Tables decomposed into sub-dimensions</a:t>
             </a:r>
           </a:p>
           <a:p>
             <a:pPr lvl="1"/>
             <a:r>
               <a:rPr lang="en-US" dirty="0"/>
-              <a:t> Flat, denormalized data</a:t>
-            </a:r>
+              <a:t> Avoid redundancy</a:t>
+            </a:r>
+          </a:p>
+          <a:p>
+            <a:pPr marL="0" marR="0" lvl="0" indent="0" algn="l" defTabSz="914400" rtl="0" eaLnBrk="1" fontAlgn="auto" latinLnBrk="0" hangingPunct="1">
+              <a:lnSpc>
+                <a:spcPct val="150000"/>
+              </a:lnSpc>
+              <a:spcBef>
+                <a:spcPts val="1200"/>
+              </a:spcBef>
+              <a:spcAft>
+                <a:spcPts val="200"/>
+              </a:spcAft>
+              <a:buClr>
+                <a:srgbClr val="E48312"/>
+              </a:buClr>
+              <a:buSzPct val="100000"/>
+              <a:buFont typeface="Wingdings" panose="05000000000000000000" pitchFamily="2" charset="2"/>
+              <a:buNone/>
+              <a:tabLst/>
+              <a:defRPr/>
+            </a:pPr>
+            <a:endParaRPr kumimoji="0" lang="en-US" sz="2200" b="0" i="0" u="none" strike="noStrike" kern="1200" cap="none" spc="0" normalizeH="0" baseline="0" noProof="0" dirty="0">
+              <a:ln>
+                <a:noFill/>
+              </a:ln>
+              <a:solidFill>
+                <a:srgbClr val="000000">
+                  <a:lumMod val="75000"/>
+                  <a:lumOff val="25000"/>
+                </a:srgbClr>
+              </a:solidFill>
+              <a:effectLst/>
+              <a:uLnTx/>
+              <a:uFillTx/>
+              <a:latin typeface="Times New Roman" panose="02020603050405020304" pitchFamily="18" charset="0"/>
+              <a:ea typeface="+mn-ea"/>
+              <a:cs typeface="Times New Roman" panose="02020603050405020304" pitchFamily="18" charset="0"/>
+            </a:endParaRPr>
+          </a:p>
+          <a:p>
+            <a:pPr marL="0" marR="0" lvl="0" indent="0" algn="l" defTabSz="914400" rtl="0" eaLnBrk="1" fontAlgn="auto" latinLnBrk="0" hangingPunct="1">
+              <a:lnSpc>
+                <a:spcPct val="150000"/>
+              </a:lnSpc>
+              <a:spcBef>
+                <a:spcPts val="1200"/>
+              </a:spcBef>
+              <a:spcAft>
+                <a:spcPts val="200"/>
+              </a:spcAft>
+              <a:buClr>
+                <a:srgbClr val="E48312"/>
+              </a:buClr>
+              <a:buSzPct val="100000"/>
+              <a:buFont typeface="Wingdings" panose="05000000000000000000" pitchFamily="2" charset="2"/>
+              <a:buNone/>
+              <a:tabLst/>
+              <a:defRPr/>
+            </a:pPr>
+            <a:r>
+              <a:rPr kumimoji="0" lang="en-US" sz="2200" b="0" i="0" u="none" strike="noStrike" kern="1200" cap="none" spc="0" normalizeH="0" baseline="0" noProof="0" dirty="0">
+                <a:ln>
+                  <a:noFill/>
+                </a:ln>
+                <a:solidFill>
+                  <a:srgbClr val="000000">
+                    <a:lumMod val="75000"/>
+                    <a:lumOff val="25000"/>
+                  </a:srgbClr>
+                </a:solidFill>
+                <a:effectLst/>
+                <a:uLnTx/>
+                <a:uFillTx/>
+                <a:latin typeface="Times New Roman" panose="02020603050405020304" pitchFamily="18" charset="0"/>
+                <a:ea typeface="+mn-ea"/>
+                <a:cs typeface="Times New Roman" panose="02020603050405020304" pitchFamily="18" charset="0"/>
+              </a:rPr>
+              <a:t>The Team dimension is split into two tables </a:t>
+            </a:r>
+            <a:r>
+              <a:rPr kumimoji="0" lang="en-US" sz="2400" b="0" i="0" u="none" strike="noStrike" kern="1200" cap="none" spc="0" normalizeH="0" baseline="0" noProof="0" dirty="0">
+                <a:ln>
+                  <a:noFill/>
+                </a:ln>
+                <a:solidFill>
+                  <a:srgbClr val="000000">
+                    <a:lumMod val="75000"/>
+                    <a:lumOff val="25000"/>
+                  </a:srgbClr>
+                </a:solidFill>
+                <a:effectLst/>
+                <a:uLnTx/>
+                <a:uFillTx/>
+                <a:latin typeface="Times New Roman" panose="02020603050405020304" pitchFamily="18" charset="0"/>
+                <a:ea typeface="+mn-ea"/>
+                <a:cs typeface="Times New Roman" panose="02020603050405020304" pitchFamily="18" charset="0"/>
+              </a:rPr>
+              <a:t>(Team and Ranking)</a:t>
+            </a:r>
+            <a:endParaRPr kumimoji="0" lang="en-US" sz="2800" b="0" i="0" u="none" strike="noStrike" kern="1200" cap="none" spc="0" normalizeH="0" baseline="0" noProof="0" dirty="0">
+              <a:ln>
+                <a:noFill/>
+              </a:ln>
+              <a:solidFill>
+                <a:srgbClr val="000000">
+                  <a:lumMod val="75000"/>
+                  <a:lumOff val="25000"/>
+                </a:srgbClr>
+              </a:solidFill>
+              <a:effectLst/>
+              <a:uLnTx/>
+              <a:uFillTx/>
+              <a:latin typeface="Times New Roman" panose="02020603050405020304" pitchFamily="18" charset="0"/>
+              <a:ea typeface="+mn-ea"/>
+              <a:cs typeface="Times New Roman" panose="02020603050405020304" pitchFamily="18" charset="0"/>
+            </a:endParaRPr>
           </a:p>
           <a:p>
             <a:pPr lvl="1"/>
-            <a:r>
-              <a:rPr lang="en-US" dirty="0"/>
-              <a:t> Direct Relationships between Fact and Dimension Tables</a:t>
-            </a:r>
-          </a:p>
-          <a:p>
-            <a:pPr marL="0" indent="0">
-              <a:buNone/>
-            </a:pPr>
-            <a:br>
-              <a:rPr lang="en-US" dirty="0"/>
-            </a:br>
-            <a:endParaRPr lang="en-US" dirty="0"/>
-          </a:p>
-          <a:p>
             <a:endParaRPr lang="en-US" dirty="0"/>
           </a:p>
         </p:txBody>
@@ -8749,10 +8854,10 @@
       </p:sp>
       <p:pic>
         <p:nvPicPr>
-          <p:cNvPr id="3" name="Picture 2">
-            <a:extLst>
-              <a:ext uri="{FF2B5EF4-FFF2-40B4-BE49-F238E27FC236}">
-                <a16:creationId xmlns:a16="http://schemas.microsoft.com/office/drawing/2014/main" id="{C4E1C43A-B2D5-DA09-758E-1D2E671C8F74}"/>
+          <p:cNvPr id="5" name="Picture 4">
+            <a:extLst>
+              <a:ext uri="{FF2B5EF4-FFF2-40B4-BE49-F238E27FC236}">
+                <a16:creationId xmlns:a16="http://schemas.microsoft.com/office/drawing/2014/main" id="{5D05F87C-B1F5-FB6F-1143-7801C13D2ECB}"/>
               </a:ext>
             </a:extLst>
           </p:cNvPr>
@@ -8769,8 +8874,8 @@
         </p:blipFill>
         <p:spPr>
           <a:xfrm>
-            <a:off x="838200" y="2263745"/>
-            <a:ext cx="6020640" cy="1390844"/>
+            <a:off x="505968" y="4855333"/>
+            <a:ext cx="11180064" cy="1344953"/>
           </a:xfrm>
           <a:prstGeom prst="rect">
             <a:avLst/>
@@ -8779,10 +8884,10 @@
       </p:pic>
       <p:pic>
         <p:nvPicPr>
-          <p:cNvPr id="5" name="Picture 4">
-            <a:extLst>
-              <a:ext uri="{FF2B5EF4-FFF2-40B4-BE49-F238E27FC236}">
-                <a16:creationId xmlns:a16="http://schemas.microsoft.com/office/drawing/2014/main" id="{5D05F87C-B1F5-FB6F-1143-7801C13D2ECB}"/>
+          <p:cNvPr id="7" name="Picture 6">
+            <a:extLst>
+              <a:ext uri="{FF2B5EF4-FFF2-40B4-BE49-F238E27FC236}">
+                <a16:creationId xmlns:a16="http://schemas.microsoft.com/office/drawing/2014/main" id="{CA7528C6-BD01-7A35-E7A3-2F24AB0A549C}"/>
               </a:ext>
             </a:extLst>
           </p:cNvPr>
@@ -8799,8 +8904,8 @@
         </p:blipFill>
         <p:spPr>
           <a:xfrm>
-            <a:off x="505968" y="4855333"/>
-            <a:ext cx="11180064" cy="1344953"/>
+            <a:off x="505968" y="2190097"/>
+            <a:ext cx="8145012" cy="1991003"/>
           </a:xfrm>
           <a:prstGeom prst="rect">
             <a:avLst/>
@@ -9694,7 +9799,7 @@
                 <a:latin typeface="Times New Roman" panose="02020603050405020304" pitchFamily="18" charset="0"/>
                 <a:cs typeface="Times New Roman" panose="02020603050405020304" pitchFamily="18" charset="0"/>
               </a:rPr>
-              <a:t>A</a:t>
+              <a:t> A</a:t>
             </a:r>
             <a:r>
               <a:rPr lang="en-US" sz="2800" b="0" dirty="0">
@@ -10379,7 +10484,7 @@
                 <a:effectLst/>
                 <a:latin typeface="Arial" panose="020B0604020202020204" pitchFamily="34" charset="0"/>
               </a:rPr>
-              <a:t> Designed a hybrid snowflake/star schema to balance query performance and storage efficiency</a:t>
+              <a:t> Designed a snowflake schema to balance query performance and storage efficiency</a:t>
             </a:r>
           </a:p>
           <a:p>
@@ -11963,9 +12068,8 @@
               <a:rPr lang="en-US" dirty="0">
                 <a:effectLst/>
               </a:rPr>
-              <a:t>ranking of NBA given a day (split into west and east on conference column)</a:t>
-            </a:r>
-            <a:endParaRPr lang="en-US" dirty="0"/>
+              <a:t>ranking of NBA given a day</a:t>
+            </a:r>
           </a:p>
           <a:p>
             <a:r>
@@ -12070,10 +12174,10 @@
       </p:grpSpPr>
       <p:pic>
         <p:nvPicPr>
-          <p:cNvPr id="4" name="Picture 3" descr="A diagram of a network&#10;&#10;AI-generated content may be incorrect.">
-            <a:extLst>
-              <a:ext uri="{FF2B5EF4-FFF2-40B4-BE49-F238E27FC236}">
-                <a16:creationId xmlns:a16="http://schemas.microsoft.com/office/drawing/2014/main" id="{255AC259-A99A-4A47-FE04-572EDCA728AB}"/>
+          <p:cNvPr id="5" name="Picture 4" descr="A diagram of a network&#10;&#10;AI-generated content may be incorrect.">
+            <a:extLst>
+              <a:ext uri="{FF2B5EF4-FFF2-40B4-BE49-F238E27FC236}">
+                <a16:creationId xmlns:a16="http://schemas.microsoft.com/office/drawing/2014/main" id="{B46F26DD-8402-A85E-46E8-97109F0F136C}"/>
               </a:ext>
             </a:extLst>
           </p:cNvPr>
@@ -12096,8 +12200,8 @@
         </p:blipFill>
         <p:spPr>
           <a:xfrm>
-            <a:off x="4410635" y="560832"/>
-            <a:ext cx="7659445" cy="5736336"/>
+            <a:off x="4532555" y="178908"/>
+            <a:ext cx="7659445" cy="6199568"/>
           </a:xfrm>
           <a:prstGeom prst="rect">
             <a:avLst/>
